--- a/Lesson 04 - Testing Code/Teaching Assets/Lesson 04 - Testing Code.pptx
+++ b/Lesson 04 - Testing Code/Teaching Assets/Lesson 04 - Testing Code.pptx
@@ -128,7 +128,7 @@
 <file path=ppt/revisionInfo.xml><?xml version="1.0" encoding="utf-8"?>
 <p1510:revInfo xmlns:a="http://schemas.openxmlformats.org/drawingml/2006/main" xmlns:r="http://schemas.openxmlformats.org/officeDocument/2006/relationships" xmlns:p1510="http://schemas.microsoft.com/office/powerpoint/2015/10/main">
   <p1510:revLst>
-    <p1510:client id="{41B687E6-807F-40FD-BA76-A268EBCDC77C}" v="13" dt="2023-08-28T12:28:13.231"/>
+    <p1510:client id="{A2955521-EE41-4B30-96A2-AA49D324285D}" v="1" dt="2023-11-15T07:41:28.639"/>
   </p1510:revLst>
 </p1510:revInfo>
 </file>
@@ -587,6 +587,45 @@
             <ac:picMk id="556" creationId="{559DF61F-9058-49C9-8F75-DC501F983B0E}"/>
           </ac:picMkLst>
         </pc:picChg>
+      </pc:sldChg>
+    </pc:docChg>
+  </pc:docChgLst>
+  <pc:docChgLst>
+    <pc:chgData name="Jim Finn" userId="fcf7da85b79b963a" providerId="LiveId" clId="{A2955521-EE41-4B30-96A2-AA49D324285D}"/>
+    <pc:docChg chg="modSld">
+      <pc:chgData name="Jim Finn" userId="fcf7da85b79b963a" providerId="LiveId" clId="{A2955521-EE41-4B30-96A2-AA49D324285D}" dt="2023-11-15T07:41:42.512" v="17" actId="20577"/>
+      <pc:docMkLst>
+        <pc:docMk/>
+      </pc:docMkLst>
+      <pc:sldChg chg="modSp mod">
+        <pc:chgData name="Jim Finn" userId="fcf7da85b79b963a" providerId="LiveId" clId="{A2955521-EE41-4B30-96A2-AA49D324285D}" dt="2023-11-15T07:41:42.512" v="17" actId="20577"/>
+        <pc:sldMkLst>
+          <pc:docMk/>
+          <pc:sldMk cId="0" sldId="293"/>
+        </pc:sldMkLst>
+        <pc:spChg chg="mod">
+          <ac:chgData name="Jim Finn" userId="fcf7da85b79b963a" providerId="LiveId" clId="{A2955521-EE41-4B30-96A2-AA49D324285D}" dt="2023-11-15T07:41:42.512" v="17" actId="20577"/>
+          <ac:spMkLst>
+            <pc:docMk/>
+            <pc:sldMk cId="0" sldId="293"/>
+            <ac:spMk id="528" creationId="{00000000-0000-0000-0000-000000000000}"/>
+          </ac:spMkLst>
+        </pc:spChg>
+      </pc:sldChg>
+      <pc:sldChg chg="modSp">
+        <pc:chgData name="Jim Finn" userId="fcf7da85b79b963a" providerId="LiveId" clId="{A2955521-EE41-4B30-96A2-AA49D324285D}" dt="2023-11-15T07:41:28.637" v="0" actId="207"/>
+        <pc:sldMkLst>
+          <pc:docMk/>
+          <pc:sldMk cId="0" sldId="294"/>
+        </pc:sldMkLst>
+        <pc:spChg chg="mod">
+          <ac:chgData name="Jim Finn" userId="fcf7da85b79b963a" providerId="LiveId" clId="{A2955521-EE41-4B30-96A2-AA49D324285D}" dt="2023-11-15T07:41:28.637" v="0" actId="207"/>
+          <ac:spMkLst>
+            <pc:docMk/>
+            <pc:sldMk cId="0" sldId="294"/>
+            <ac:spMk id="540" creationId="{00000000-0000-0000-0000-000000000000}"/>
+          </ac:spMkLst>
+        </pc:spChg>
       </pc:sldChg>
     </pc:docChg>
   </pc:docChgLst>
@@ -3571,7 +3610,7 @@
           <a:p>
             <a:fld id="{1D63DF1F-1749-4BA6-89F1-E731035F336C}" type="datetimeFigureOut">
               <a:rPr lang="en-IE" smtClean="0"/>
-              <a:t>28/08/2023</a:t>
+              <a:t>15/11/2023</a:t>
             </a:fld>
             <a:endParaRPr lang="en-IE"/>
           </a:p>
@@ -5064,7 +5103,7 @@
           <a:p>
             <a:fld id="{76969C88-B244-455D-A017-012B25B1ACDD}" type="datetimeFigureOut">
               <a:rPr lang="en-US" smtClean="0"/>
-              <a:t>8/28/2023</a:t>
+              <a:t>11/15/2023</a:t>
             </a:fld>
             <a:endParaRPr lang="en-US"/>
           </a:p>
@@ -5363,7 +5402,7 @@
             <a:fld id="{76969C88-B244-455D-A017-012B25B1ACDD}" type="datetimeFigureOut">
               <a:rPr lang="en-US" smtClean="0"/>
               <a:pPr/>
-              <a:t>8/28/2023</a:t>
+              <a:t>11/15/2023</a:t>
             </a:fld>
             <a:endParaRPr lang="en-US"/>
           </a:p>
@@ -5557,7 +5596,7 @@
             <a:fld id="{76969C88-B244-455D-A017-012B25B1ACDD}" type="datetimeFigureOut">
               <a:rPr lang="en-US" smtClean="0"/>
               <a:pPr/>
-              <a:t>8/28/2023</a:t>
+              <a:t>11/15/2023</a:t>
             </a:fld>
             <a:endParaRPr lang="en-US"/>
           </a:p>
@@ -5820,7 +5859,7 @@
             <a:fld id="{76969C88-B244-455D-A017-012B25B1ACDD}" type="datetimeFigureOut">
               <a:rPr lang="en-US" smtClean="0"/>
               <a:pPr/>
-              <a:t>8/28/2023</a:t>
+              <a:t>11/15/2023</a:t>
             </a:fld>
             <a:endParaRPr lang="en-US"/>
           </a:p>
@@ -6246,7 +6285,7 @@
             <a:fld id="{76969C88-B244-455D-A017-012B25B1ACDD}" type="datetimeFigureOut">
               <a:rPr lang="en-US" smtClean="0"/>
               <a:pPr/>
-              <a:t>8/28/2023</a:t>
+              <a:t>11/15/2023</a:t>
             </a:fld>
             <a:endParaRPr lang="en-US"/>
           </a:p>
@@ -6785,7 +6824,7 @@
             <a:fld id="{76969C88-B244-455D-A017-012B25B1ACDD}" type="datetimeFigureOut">
               <a:rPr lang="en-US" smtClean="0"/>
               <a:pPr/>
-              <a:t>8/28/2023</a:t>
+              <a:t>11/15/2023</a:t>
             </a:fld>
             <a:endParaRPr lang="en-US"/>
           </a:p>
@@ -7651,7 +7690,7 @@
             <a:fld id="{76969C88-B244-455D-A017-012B25B1ACDD}" type="datetimeFigureOut">
               <a:rPr lang="en-US" smtClean="0"/>
               <a:pPr/>
-              <a:t>8/28/2023</a:t>
+              <a:t>11/15/2023</a:t>
             </a:fld>
             <a:endParaRPr lang="en-US"/>
           </a:p>
@@ -7822,7 +7861,7 @@
           <a:p>
             <a:fld id="{76969C88-B244-455D-A017-012B25B1ACDD}" type="datetimeFigureOut">
               <a:rPr lang="en-US" smtClean="0"/>
-              <a:t>8/28/2023</a:t>
+              <a:t>11/15/2023</a:t>
             </a:fld>
             <a:endParaRPr lang="en-US"/>
           </a:p>
@@ -8006,7 +8045,7 @@
           <a:p>
             <a:fld id="{76969C88-B244-455D-A017-012B25B1ACDD}" type="datetimeFigureOut">
               <a:rPr lang="en-US" smtClean="0"/>
-              <a:t>8/28/2023</a:t>
+              <a:t>11/15/2023</a:t>
             </a:fld>
             <a:endParaRPr lang="en-US"/>
           </a:p>
@@ -8176,7 +8215,7 @@
           <a:p>
             <a:fld id="{76969C88-B244-455D-A017-012B25B1ACDD}" type="datetimeFigureOut">
               <a:rPr lang="en-US" smtClean="0"/>
-              <a:t>8/28/2023</a:t>
+              <a:t>11/15/2023</a:t>
             </a:fld>
             <a:endParaRPr lang="en-US"/>
           </a:p>
@@ -8420,7 +8459,7 @@
           <a:p>
             <a:fld id="{76969C88-B244-455D-A017-012B25B1ACDD}" type="datetimeFigureOut">
               <a:rPr lang="en-US" smtClean="0"/>
-              <a:t>8/28/2023</a:t>
+              <a:t>11/15/2023</a:t>
             </a:fld>
             <a:endParaRPr lang="en-US"/>
           </a:p>
@@ -8656,7 +8695,7 @@
           <a:p>
             <a:fld id="{76969C88-B244-455D-A017-012B25B1ACDD}" type="datetimeFigureOut">
               <a:rPr lang="en-US" smtClean="0"/>
-              <a:t>8/28/2023</a:t>
+              <a:t>11/15/2023</a:t>
             </a:fld>
             <a:endParaRPr lang="en-US"/>
           </a:p>
@@ -9122,7 +9161,7 @@
           <a:p>
             <a:fld id="{76969C88-B244-455D-A017-012B25B1ACDD}" type="datetimeFigureOut">
               <a:rPr lang="en-US" smtClean="0"/>
-              <a:t>8/28/2023</a:t>
+              <a:t>11/15/2023</a:t>
             </a:fld>
             <a:endParaRPr lang="en-US"/>
           </a:p>
@@ -9240,7 +9279,7 @@
           <a:p>
             <a:fld id="{76969C88-B244-455D-A017-012B25B1ACDD}" type="datetimeFigureOut">
               <a:rPr lang="en-US" smtClean="0"/>
-              <a:t>8/28/2023</a:t>
+              <a:t>11/15/2023</a:t>
             </a:fld>
             <a:endParaRPr lang="en-US"/>
           </a:p>
@@ -9335,7 +9374,7 @@
           <a:p>
             <a:fld id="{76969C88-B244-455D-A017-012B25B1ACDD}" type="datetimeFigureOut">
               <a:rPr lang="en-US" smtClean="0"/>
-              <a:t>8/28/2023</a:t>
+              <a:t>11/15/2023</a:t>
             </a:fld>
             <a:endParaRPr lang="en-US"/>
           </a:p>
@@ -9590,7 +9629,7 @@
           <a:p>
             <a:fld id="{76969C88-B244-455D-A017-012B25B1ACDD}" type="datetimeFigureOut">
               <a:rPr lang="en-US" smtClean="0"/>
-              <a:t>8/28/2023</a:t>
+              <a:t>11/15/2023</a:t>
             </a:fld>
             <a:endParaRPr lang="en-US"/>
           </a:p>
@@ -9890,7 +9929,7 @@
           <a:p>
             <a:fld id="{76969C88-B244-455D-A017-012B25B1ACDD}" type="datetimeFigureOut">
               <a:rPr lang="en-US" smtClean="0"/>
-              <a:t>8/28/2023</a:t>
+              <a:t>11/15/2023</a:t>
             </a:fld>
             <a:endParaRPr lang="en-US"/>
           </a:p>
@@ -10125,7 +10164,7 @@
             <a:fld id="{76969C88-B244-455D-A017-012B25B1ACDD}" type="datetimeFigureOut">
               <a:rPr lang="en-US" smtClean="0"/>
               <a:pPr/>
-              <a:t>8/28/2023</a:t>
+              <a:t>11/15/2023</a:t>
             </a:fld>
             <a:endParaRPr lang="en-US"/>
           </a:p>
@@ -11287,9 +11326,6 @@
             </a:pPr>
             <a:r>
               <a:rPr lang="en-IE" sz="2800" dirty="0">
-                <a:solidFill>
-                  <a:schemeClr val="dk1"/>
-                </a:solidFill>
                 <a:latin typeface="Twentieth Century"/>
                 <a:ea typeface="Twentieth Century"/>
                 <a:cs typeface="Twentieth Century"/>
@@ -11311,9 +11347,6 @@
             </a:pPr>
             <a:r>
               <a:rPr lang="en-IE" sz="2800" dirty="0">
-                <a:solidFill>
-                  <a:schemeClr val="dk1"/>
-                </a:solidFill>
                 <a:latin typeface="Twentieth Century"/>
                 <a:ea typeface="Twentieth Century"/>
                 <a:cs typeface="Twentieth Century"/>
@@ -14907,15 +14940,7 @@
             </a:pPr>
             <a:r>
               <a:rPr lang="en-GB" sz="2100" dirty="0"/>
-              <a:t>Navigate to </a:t>
-            </a:r>
-            <a:r>
-              <a:rPr lang="en-GB" sz="2100" dirty="0" err="1"/>
-              <a:t>repl.It</a:t>
-            </a:r>
-            <a:r>
-              <a:rPr lang="en-GB" sz="2100" dirty="0"/>
-              <a:t> and create a print() function.</a:t>
+              <a:t>Navigate to trinket.io and create a print() function.</a:t>
             </a:r>
             <a:endParaRPr lang="en-GB" sz="2800" dirty="0"/>
           </a:p>

--- a/Lesson 04 - Testing Code/Teaching Assets/Lesson 04 - Testing Code.pptx
+++ b/Lesson 04 - Testing Code/Teaching Assets/Lesson 04 - Testing Code.pptx
@@ -128,7 +128,7 @@
 <file path=ppt/revisionInfo.xml><?xml version="1.0" encoding="utf-8"?>
 <p1510:revInfo xmlns:a="http://schemas.openxmlformats.org/drawingml/2006/main" xmlns:r="http://schemas.openxmlformats.org/officeDocument/2006/relationships" xmlns:p1510="http://schemas.microsoft.com/office/powerpoint/2015/10/main">
   <p1510:revLst>
-    <p1510:client id="{A2955521-EE41-4B30-96A2-AA49D324285D}" v="1" dt="2023-11-15T07:41:28.639"/>
+    <p1510:client id="{A2955521-EE41-4B30-96A2-AA49D324285D}" v="12" dt="2023-11-21T07:26:53.444"/>
   </p1510:revLst>
 </p1510:revInfo>
 </file>
@@ -593,12 +593,12 @@
   <pc:docChgLst>
     <pc:chgData name="Jim Finn" userId="fcf7da85b79b963a" providerId="LiveId" clId="{A2955521-EE41-4B30-96A2-AA49D324285D}"/>
     <pc:docChg chg="modSld">
-      <pc:chgData name="Jim Finn" userId="fcf7da85b79b963a" providerId="LiveId" clId="{A2955521-EE41-4B30-96A2-AA49D324285D}" dt="2023-11-15T07:41:42.512" v="17" actId="20577"/>
+      <pc:chgData name="Jim Finn" userId="fcf7da85b79b963a" providerId="LiveId" clId="{A2955521-EE41-4B30-96A2-AA49D324285D}" dt="2023-11-21T07:27:16.149" v="30" actId="1076"/>
       <pc:docMkLst>
         <pc:docMk/>
       </pc:docMkLst>
       <pc:sldChg chg="modSp mod">
-        <pc:chgData name="Jim Finn" userId="fcf7da85b79b963a" providerId="LiveId" clId="{A2955521-EE41-4B30-96A2-AA49D324285D}" dt="2023-11-15T07:41:42.512" v="17" actId="20577"/>
+        <pc:chgData name="Jim Finn" userId="fcf7da85b79b963a" providerId="LiveId" clId="{A2955521-EE41-4B30-96A2-AA49D324285D}" dt="2023-11-21T07:27:16.149" v="30" actId="1076"/>
         <pc:sldMkLst>
           <pc:docMk/>
           <pc:sldMk cId="0" sldId="293"/>
@@ -611,15 +611,23 @@
             <ac:spMk id="528" creationId="{00000000-0000-0000-0000-000000000000}"/>
           </ac:spMkLst>
         </pc:spChg>
+        <pc:graphicFrameChg chg="mod modGraphic">
+          <ac:chgData name="Jim Finn" userId="fcf7da85b79b963a" providerId="LiveId" clId="{A2955521-EE41-4B30-96A2-AA49D324285D}" dt="2023-11-21T07:27:16.149" v="30" actId="1076"/>
+          <ac:graphicFrameMkLst>
+            <pc:docMk/>
+            <pc:sldMk cId="0" sldId="293"/>
+            <ac:graphicFrameMk id="530" creationId="{00000000-0000-0000-0000-000000000000}"/>
+          </ac:graphicFrameMkLst>
+        </pc:graphicFrameChg>
       </pc:sldChg>
       <pc:sldChg chg="modSp">
-        <pc:chgData name="Jim Finn" userId="fcf7da85b79b963a" providerId="LiveId" clId="{A2955521-EE41-4B30-96A2-AA49D324285D}" dt="2023-11-15T07:41:28.637" v="0" actId="207"/>
+        <pc:chgData name="Jim Finn" userId="fcf7da85b79b963a" providerId="LiveId" clId="{A2955521-EE41-4B30-96A2-AA49D324285D}" dt="2023-11-21T07:26:53.444" v="28" actId="20577"/>
         <pc:sldMkLst>
           <pc:docMk/>
           <pc:sldMk cId="0" sldId="294"/>
         </pc:sldMkLst>
         <pc:spChg chg="mod">
-          <ac:chgData name="Jim Finn" userId="fcf7da85b79b963a" providerId="LiveId" clId="{A2955521-EE41-4B30-96A2-AA49D324285D}" dt="2023-11-15T07:41:28.637" v="0" actId="207"/>
+          <ac:chgData name="Jim Finn" userId="fcf7da85b79b963a" providerId="LiveId" clId="{A2955521-EE41-4B30-96A2-AA49D324285D}" dt="2023-11-21T07:26:53.444" v="28" actId="20577"/>
           <ac:spMkLst>
             <pc:docMk/>
             <pc:sldMk cId="0" sldId="294"/>
@@ -3610,7 +3618,7 @@
           <a:p>
             <a:fld id="{1D63DF1F-1749-4BA6-89F1-E731035F336C}" type="datetimeFigureOut">
               <a:rPr lang="en-IE" smtClean="0"/>
-              <a:t>15/11/2023</a:t>
+              <a:t>21/11/2023</a:t>
             </a:fld>
             <a:endParaRPr lang="en-IE"/>
           </a:p>
@@ -5103,7 +5111,7 @@
           <a:p>
             <a:fld id="{76969C88-B244-455D-A017-012B25B1ACDD}" type="datetimeFigureOut">
               <a:rPr lang="en-US" smtClean="0"/>
-              <a:t>11/15/2023</a:t>
+              <a:t>11/21/2023</a:t>
             </a:fld>
             <a:endParaRPr lang="en-US"/>
           </a:p>
@@ -5402,7 +5410,7 @@
             <a:fld id="{76969C88-B244-455D-A017-012B25B1ACDD}" type="datetimeFigureOut">
               <a:rPr lang="en-US" smtClean="0"/>
               <a:pPr/>
-              <a:t>11/15/2023</a:t>
+              <a:t>11/21/2023</a:t>
             </a:fld>
             <a:endParaRPr lang="en-US"/>
           </a:p>
@@ -5596,7 +5604,7 @@
             <a:fld id="{76969C88-B244-455D-A017-012B25B1ACDD}" type="datetimeFigureOut">
               <a:rPr lang="en-US" smtClean="0"/>
               <a:pPr/>
-              <a:t>11/15/2023</a:t>
+              <a:t>11/21/2023</a:t>
             </a:fld>
             <a:endParaRPr lang="en-US"/>
           </a:p>
@@ -5859,7 +5867,7 @@
             <a:fld id="{76969C88-B244-455D-A017-012B25B1ACDD}" type="datetimeFigureOut">
               <a:rPr lang="en-US" smtClean="0"/>
               <a:pPr/>
-              <a:t>11/15/2023</a:t>
+              <a:t>11/21/2023</a:t>
             </a:fld>
             <a:endParaRPr lang="en-US"/>
           </a:p>
@@ -6285,7 +6293,7 @@
             <a:fld id="{76969C88-B244-455D-A017-012B25B1ACDD}" type="datetimeFigureOut">
               <a:rPr lang="en-US" smtClean="0"/>
               <a:pPr/>
-              <a:t>11/15/2023</a:t>
+              <a:t>11/21/2023</a:t>
             </a:fld>
             <a:endParaRPr lang="en-US"/>
           </a:p>
@@ -6824,7 +6832,7 @@
             <a:fld id="{76969C88-B244-455D-A017-012B25B1ACDD}" type="datetimeFigureOut">
               <a:rPr lang="en-US" smtClean="0"/>
               <a:pPr/>
-              <a:t>11/15/2023</a:t>
+              <a:t>11/21/2023</a:t>
             </a:fld>
             <a:endParaRPr lang="en-US"/>
           </a:p>
@@ -7690,7 +7698,7 @@
             <a:fld id="{76969C88-B244-455D-A017-012B25B1ACDD}" type="datetimeFigureOut">
               <a:rPr lang="en-US" smtClean="0"/>
               <a:pPr/>
-              <a:t>11/15/2023</a:t>
+              <a:t>11/21/2023</a:t>
             </a:fld>
             <a:endParaRPr lang="en-US"/>
           </a:p>
@@ -7861,7 +7869,7 @@
           <a:p>
             <a:fld id="{76969C88-B244-455D-A017-012B25B1ACDD}" type="datetimeFigureOut">
               <a:rPr lang="en-US" smtClean="0"/>
-              <a:t>11/15/2023</a:t>
+              <a:t>11/21/2023</a:t>
             </a:fld>
             <a:endParaRPr lang="en-US"/>
           </a:p>
@@ -8045,7 +8053,7 @@
           <a:p>
             <a:fld id="{76969C88-B244-455D-A017-012B25B1ACDD}" type="datetimeFigureOut">
               <a:rPr lang="en-US" smtClean="0"/>
-              <a:t>11/15/2023</a:t>
+              <a:t>11/21/2023</a:t>
             </a:fld>
             <a:endParaRPr lang="en-US"/>
           </a:p>
@@ -8215,7 +8223,7 @@
           <a:p>
             <a:fld id="{76969C88-B244-455D-A017-012B25B1ACDD}" type="datetimeFigureOut">
               <a:rPr lang="en-US" smtClean="0"/>
-              <a:t>11/15/2023</a:t>
+              <a:t>11/21/2023</a:t>
             </a:fld>
             <a:endParaRPr lang="en-US"/>
           </a:p>
@@ -8459,7 +8467,7 @@
           <a:p>
             <a:fld id="{76969C88-B244-455D-A017-012B25B1ACDD}" type="datetimeFigureOut">
               <a:rPr lang="en-US" smtClean="0"/>
-              <a:t>11/15/2023</a:t>
+              <a:t>11/21/2023</a:t>
             </a:fld>
             <a:endParaRPr lang="en-US"/>
           </a:p>
@@ -8695,7 +8703,7 @@
           <a:p>
             <a:fld id="{76969C88-B244-455D-A017-012B25B1ACDD}" type="datetimeFigureOut">
               <a:rPr lang="en-US" smtClean="0"/>
-              <a:t>11/15/2023</a:t>
+              <a:t>11/21/2023</a:t>
             </a:fld>
             <a:endParaRPr lang="en-US"/>
           </a:p>
@@ -9161,7 +9169,7 @@
           <a:p>
             <a:fld id="{76969C88-B244-455D-A017-012B25B1ACDD}" type="datetimeFigureOut">
               <a:rPr lang="en-US" smtClean="0"/>
-              <a:t>11/15/2023</a:t>
+              <a:t>11/21/2023</a:t>
             </a:fld>
             <a:endParaRPr lang="en-US"/>
           </a:p>
@@ -9279,7 +9287,7 @@
           <a:p>
             <a:fld id="{76969C88-B244-455D-A017-012B25B1ACDD}" type="datetimeFigureOut">
               <a:rPr lang="en-US" smtClean="0"/>
-              <a:t>11/15/2023</a:t>
+              <a:t>11/21/2023</a:t>
             </a:fld>
             <a:endParaRPr lang="en-US"/>
           </a:p>
@@ -9374,7 +9382,7 @@
           <a:p>
             <a:fld id="{76969C88-B244-455D-A017-012B25B1ACDD}" type="datetimeFigureOut">
               <a:rPr lang="en-US" smtClean="0"/>
-              <a:t>11/15/2023</a:t>
+              <a:t>11/21/2023</a:t>
             </a:fld>
             <a:endParaRPr lang="en-US"/>
           </a:p>
@@ -9629,7 +9637,7 @@
           <a:p>
             <a:fld id="{76969C88-B244-455D-A017-012B25B1ACDD}" type="datetimeFigureOut">
               <a:rPr lang="en-US" smtClean="0"/>
-              <a:t>11/15/2023</a:t>
+              <a:t>11/21/2023</a:t>
             </a:fld>
             <a:endParaRPr lang="en-US"/>
           </a:p>
@@ -9929,7 +9937,7 @@
           <a:p>
             <a:fld id="{76969C88-B244-455D-A017-012B25B1ACDD}" type="datetimeFigureOut">
               <a:rPr lang="en-US" smtClean="0"/>
-              <a:t>11/15/2023</a:t>
+              <a:t>11/21/2023</a:t>
             </a:fld>
             <a:endParaRPr lang="en-US"/>
           </a:p>
@@ -10164,7 +10172,7 @@
             <a:fld id="{76969C88-B244-455D-A017-012B25B1ACDD}" type="datetimeFigureOut">
               <a:rPr lang="en-US" smtClean="0"/>
               <a:pPr/>
-              <a:t>11/15/2023</a:t>
+              <a:t>11/21/2023</a:t>
             </a:fld>
             <a:endParaRPr lang="en-US"/>
           </a:p>
@@ -11299,7 +11307,7 @@
         <p:spPr>
           <a:xfrm flipH="1">
             <a:off x="838200" y="5208481"/>
-            <a:ext cx="10515600" cy="954107"/>
+            <a:ext cx="10515600" cy="1384954"/>
           </a:xfrm>
           <a:prstGeom prst="rect">
             <a:avLst/>
@@ -11352,7 +11360,7 @@
                 <a:cs typeface="Twentieth Century"/>
                 <a:sym typeface="Twentieth Century"/>
               </a:rPr>
-              <a:t>Remember that in Python we follow the PEDMAS order of operations.</a:t>
+              <a:t>Remember that in Python we follow the PEDMAS/BODMAS order of operations.</a:t>
             </a:r>
             <a:endParaRPr dirty="0"/>
           </a:p>
@@ -15109,14 +15117,14 @@
           <p:nvPr>
             <p:extLst>
               <p:ext uri="{D42A27DB-BD31-4B8C-83A1-F6EECF244321}">
-                <p14:modId xmlns:p14="http://schemas.microsoft.com/office/powerpoint/2010/main" val="3160281455"/>
+                <p14:modId xmlns:p14="http://schemas.microsoft.com/office/powerpoint/2010/main" val="3721035940"/>
               </p:ext>
             </p:extLst>
           </p:nvPr>
         </p:nvGraphicFramePr>
         <p:xfrm>
-          <a:off x="1509320" y="3841807"/>
-          <a:ext cx="8128000" cy="366600"/>
+          <a:off x="1686758" y="3429000"/>
+          <a:ext cx="7204840" cy="366600"/>
         </p:xfrm>
         <a:graphic>
           <a:graphicData uri="http://schemas.openxmlformats.org/drawingml/2006/table">
@@ -15125,28 +15133,28 @@
                 <a:noFill/>
               </a:tblPr>
               <a:tblGrid>
-                <a:gridCol w="2032000">
+                <a:gridCol w="1801210">
                   <a:extLst>
                     <a:ext uri="{9D8B030D-6E8A-4147-A177-3AD203B41FA5}">
                       <a16:colId xmlns:a16="http://schemas.microsoft.com/office/drawing/2014/main" val="20000"/>
                     </a:ext>
                   </a:extLst>
                 </a:gridCol>
-                <a:gridCol w="2032000">
+                <a:gridCol w="1801210">
                   <a:extLst>
                     <a:ext uri="{9D8B030D-6E8A-4147-A177-3AD203B41FA5}">
                       <a16:colId xmlns:a16="http://schemas.microsoft.com/office/drawing/2014/main" val="20001"/>
                     </a:ext>
                   </a:extLst>
                 </a:gridCol>
-                <a:gridCol w="2032000">
+                <a:gridCol w="1801210">
                   <a:extLst>
                     <a:ext uri="{9D8B030D-6E8A-4147-A177-3AD203B41FA5}">
                       <a16:colId xmlns:a16="http://schemas.microsoft.com/office/drawing/2014/main" val="20002"/>
                     </a:ext>
                   </a:extLst>
                 </a:gridCol>
-                <a:gridCol w="2032000">
+                <a:gridCol w="1801210">
                   <a:extLst>
                     <a:ext uri="{9D8B030D-6E8A-4147-A177-3AD203B41FA5}">
                       <a16:colId xmlns:a16="http://schemas.microsoft.com/office/drawing/2014/main" val="20003"/>
@@ -15170,10 +15178,10 @@
                         <a:buNone/>
                       </a:pPr>
                       <a:r>
-                        <a:rPr lang="en-IE" sz="1800" u="none" strike="noStrike" cap="none"/>
+                        <a:rPr lang="en-IE" sz="1800" u="none" strike="noStrike" cap="none" dirty="0"/>
                         <a:t>188</a:t>
                       </a:r>
-                      <a:endParaRPr/>
+                      <a:endParaRPr dirty="0"/>
                     </a:p>
                   </a:txBody>
                   <a:tcPr marL="91450" marR="91450" marT="45725" marB="45725"/>
